--- a/Lead Scoring Case Study_Analysis.pptx
+++ b/Lead Scoring Case Study_Analysis.pptx
@@ -116,6 +116,11 @@
       </a:defRPr>
     </a:lvl9pPr>
   </p:defaultTextStyle>
+  <p:extLst>
+    <p:ext uri="{EFAFB233-063F-42B5-8137-9DF3F51BA10A}">
+      <p15:sldGuideLst xmlns:p15="http://schemas.microsoft.com/office/powerpoint/2012/main"/>
+    </p:ext>
+  </p:extLst>
 </p:presentation>
 </file>
 
@@ -132,7 +137,7 @@
   <pc:docChgLst>
     <pc:chgData name="Ritika Mehra" userId="ce947be4f072325d" providerId="LiveId" clId="{DD8FDB23-DC46-47A7-AE48-1F016A65AB3A}"/>
     <pc:docChg chg="undo custSel addSld delSld modSld">
-      <pc:chgData name="Ritika Mehra" userId="ce947be4f072325d" providerId="LiveId" clId="{DD8FDB23-DC46-47A7-AE48-1F016A65AB3A}" dt="2023-02-25T19:02:36.915" v="4850" actId="20577"/>
+      <pc:chgData name="Ritika Mehra" userId="ce947be4f072325d" providerId="LiveId" clId="{DD8FDB23-DC46-47A7-AE48-1F016A65AB3A}" dt="2023-02-26T04:33:52.715" v="4893" actId="20577"/>
       <pc:docMkLst>
         <pc:docMk/>
       </pc:docMkLst>
@@ -336,7 +341,7 @@
         </pc:spChg>
       </pc:sldChg>
       <pc:sldChg chg="delSp modSp add mod">
-        <pc:chgData name="Ritika Mehra" userId="ce947be4f072325d" providerId="LiveId" clId="{DD8FDB23-DC46-47A7-AE48-1F016A65AB3A}" dt="2023-02-25T18:33:28.400" v="4776" actId="207"/>
+        <pc:chgData name="Ritika Mehra" userId="ce947be4f072325d" providerId="LiveId" clId="{DD8FDB23-DC46-47A7-AE48-1F016A65AB3A}" dt="2023-02-26T04:33:52.715" v="4893" actId="20577"/>
         <pc:sldMkLst>
           <pc:docMk/>
           <pc:sldMk cId="1240083527" sldId="266"/>
@@ -350,7 +355,7 @@
           </ac:spMkLst>
         </pc:spChg>
         <pc:spChg chg="mod">
-          <ac:chgData name="Ritika Mehra" userId="ce947be4f072325d" providerId="LiveId" clId="{DD8FDB23-DC46-47A7-AE48-1F016A65AB3A}" dt="2023-02-25T18:33:28.400" v="4776" actId="207"/>
+          <ac:chgData name="Ritika Mehra" userId="ce947be4f072325d" providerId="LiveId" clId="{DD8FDB23-DC46-47A7-AE48-1F016A65AB3A}" dt="2023-02-26T04:33:52.715" v="4893" actId="20577"/>
           <ac:spMkLst>
             <pc:docMk/>
             <pc:sldMk cId="1240083527" sldId="266"/>
@@ -1238,7 +1243,7 @@
           <a:p>
             <a:fld id="{A45CEEBA-9B84-4878-80A9-579B90A6F894}" type="datetimeFigureOut">
               <a:rPr lang="en-IN" smtClean="0"/>
-              <a:t>24-02-2023</a:t>
+              <a:t>26-02-2023</a:t>
             </a:fld>
             <a:endParaRPr lang="en-IN"/>
           </a:p>
@@ -1534,7 +1539,7 @@
           <a:p>
             <a:fld id="{A45CEEBA-9B84-4878-80A9-579B90A6F894}" type="datetimeFigureOut">
               <a:rPr lang="en-IN" smtClean="0"/>
-              <a:t>24-02-2023</a:t>
+              <a:t>26-02-2023</a:t>
             </a:fld>
             <a:endParaRPr lang="en-IN"/>
           </a:p>
@@ -1782,7 +1787,7 @@
           <a:p>
             <a:fld id="{A45CEEBA-9B84-4878-80A9-579B90A6F894}" type="datetimeFigureOut">
               <a:rPr lang="en-IN" smtClean="0"/>
-              <a:t>24-02-2023</a:t>
+              <a:t>26-02-2023</a:t>
             </a:fld>
             <a:endParaRPr lang="en-IN"/>
           </a:p>
@@ -2322,7 +2327,7 @@
           <a:p>
             <a:fld id="{A45CEEBA-9B84-4878-80A9-579B90A6F894}" type="datetimeFigureOut">
               <a:rPr lang="en-IN" smtClean="0"/>
-              <a:t>24-02-2023</a:t>
+              <a:t>26-02-2023</a:t>
             </a:fld>
             <a:endParaRPr lang="en-IN"/>
           </a:p>
@@ -2570,7 +2575,7 @@
           <a:p>
             <a:fld id="{A45CEEBA-9B84-4878-80A9-579B90A6F894}" type="datetimeFigureOut">
               <a:rPr lang="en-IN" smtClean="0"/>
-              <a:t>24-02-2023</a:t>
+              <a:t>26-02-2023</a:t>
             </a:fld>
             <a:endParaRPr lang="en-IN"/>
           </a:p>
@@ -3102,7 +3107,7 @@
           <a:p>
             <a:fld id="{A45CEEBA-9B84-4878-80A9-579B90A6F894}" type="datetimeFigureOut">
               <a:rPr lang="en-IN" smtClean="0"/>
-              <a:t>24-02-2023</a:t>
+              <a:t>26-02-2023</a:t>
             </a:fld>
             <a:endParaRPr lang="en-IN"/>
           </a:p>
@@ -3399,7 +3404,7 @@
           <a:p>
             <a:fld id="{A45CEEBA-9B84-4878-80A9-579B90A6F894}" type="datetimeFigureOut">
               <a:rPr lang="en-IN" smtClean="0"/>
-              <a:t>24-02-2023</a:t>
+              <a:t>26-02-2023</a:t>
             </a:fld>
             <a:endParaRPr lang="en-IN"/>
           </a:p>
@@ -3573,7 +3578,7 @@
           <a:p>
             <a:fld id="{A45CEEBA-9B84-4878-80A9-579B90A6F894}" type="datetimeFigureOut">
               <a:rPr lang="en-IN" smtClean="0"/>
-              <a:t>24-02-2023</a:t>
+              <a:t>26-02-2023</a:t>
             </a:fld>
             <a:endParaRPr lang="en-IN"/>
           </a:p>
@@ -3753,7 +3758,7 @@
           <a:p>
             <a:fld id="{A45CEEBA-9B84-4878-80A9-579B90A6F894}" type="datetimeFigureOut">
               <a:rPr lang="en-IN" smtClean="0"/>
-              <a:t>24-02-2023</a:t>
+              <a:t>26-02-2023</a:t>
             </a:fld>
             <a:endParaRPr lang="en-IN"/>
           </a:p>
@@ -3923,7 +3928,7 @@
           <a:p>
             <a:fld id="{A45CEEBA-9B84-4878-80A9-579B90A6F894}" type="datetimeFigureOut">
               <a:rPr lang="en-IN" smtClean="0"/>
-              <a:t>24-02-2023</a:t>
+              <a:t>26-02-2023</a:t>
             </a:fld>
             <a:endParaRPr lang="en-IN"/>
           </a:p>
@@ -4174,7 +4179,7 @@
           <a:p>
             <a:fld id="{A45CEEBA-9B84-4878-80A9-579B90A6F894}" type="datetimeFigureOut">
               <a:rPr lang="en-IN" smtClean="0"/>
-              <a:t>24-02-2023</a:t>
+              <a:t>26-02-2023</a:t>
             </a:fld>
             <a:endParaRPr lang="en-IN"/>
           </a:p>
@@ -4471,7 +4476,7 @@
           <a:p>
             <a:fld id="{A45CEEBA-9B84-4878-80A9-579B90A6F894}" type="datetimeFigureOut">
               <a:rPr lang="en-IN" smtClean="0"/>
-              <a:t>24-02-2023</a:t>
+              <a:t>26-02-2023</a:t>
             </a:fld>
             <a:endParaRPr lang="en-IN"/>
           </a:p>
@@ -4913,7 +4918,7 @@
           <a:p>
             <a:fld id="{A45CEEBA-9B84-4878-80A9-579B90A6F894}" type="datetimeFigureOut">
               <a:rPr lang="en-IN" smtClean="0"/>
-              <a:t>24-02-2023</a:t>
+              <a:t>26-02-2023</a:t>
             </a:fld>
             <a:endParaRPr lang="en-IN"/>
           </a:p>
@@ -5031,7 +5036,7 @@
           <a:p>
             <a:fld id="{A45CEEBA-9B84-4878-80A9-579B90A6F894}" type="datetimeFigureOut">
               <a:rPr lang="en-IN" smtClean="0"/>
-              <a:t>24-02-2023</a:t>
+              <a:t>26-02-2023</a:t>
             </a:fld>
             <a:endParaRPr lang="en-IN"/>
           </a:p>
@@ -5126,7 +5131,7 @@
           <a:p>
             <a:fld id="{A45CEEBA-9B84-4878-80A9-579B90A6F894}" type="datetimeFigureOut">
               <a:rPr lang="en-IN" smtClean="0"/>
-              <a:t>24-02-2023</a:t>
+              <a:t>26-02-2023</a:t>
             </a:fld>
             <a:endParaRPr lang="en-IN"/>
           </a:p>
@@ -5409,7 +5414,7 @@
           <a:p>
             <a:fld id="{A45CEEBA-9B84-4878-80A9-579B90A6F894}" type="datetimeFigureOut">
               <a:rPr lang="en-IN" smtClean="0"/>
-              <a:t>24-02-2023</a:t>
+              <a:t>26-02-2023</a:t>
             </a:fld>
             <a:endParaRPr lang="en-IN"/>
           </a:p>
@@ -5700,7 +5705,7 @@
           <a:p>
             <a:fld id="{A45CEEBA-9B84-4878-80A9-579B90A6F894}" type="datetimeFigureOut">
               <a:rPr lang="en-IN" smtClean="0"/>
-              <a:t>24-02-2023</a:t>
+              <a:t>26-02-2023</a:t>
             </a:fld>
             <a:endParaRPr lang="en-IN"/>
           </a:p>
@@ -6230,7 +6235,7 @@
           <a:p>
             <a:fld id="{A45CEEBA-9B84-4878-80A9-579B90A6F894}" type="datetimeFigureOut">
               <a:rPr lang="en-IN" smtClean="0"/>
-              <a:t>24-02-2023</a:t>
+              <a:t>26-02-2023</a:t>
             </a:fld>
             <a:endParaRPr lang="en-IN"/>
           </a:p>
@@ -8333,7 +8338,7 @@
         <p:spPr>
           <a:xfrm>
             <a:off x="2668249" y="1711908"/>
-            <a:ext cx="10204553" cy="4662815"/>
+            <a:ext cx="10204553" cy="5109091"/>
           </a:xfrm>
           <a:prstGeom prst="rect">
             <a:avLst/>
@@ -8623,7 +8628,31 @@
                 <a:latin typeface="Times New Roman" panose="02020603050405020304" pitchFamily="18" charset="0"/>
                 <a:cs typeface="Times New Roman" panose="02020603050405020304" pitchFamily="18" charset="0"/>
               </a:rPr>
-              <a:t>    5.5 Results Interpretation</a:t>
+              <a:t>    5.5 Model Prediction on Test data</a:t>
+            </a:r>
+          </a:p>
+          <a:p>
+            <a:pPr indent="0">
+              <a:spcBef>
+                <a:spcPct val="20000"/>
+              </a:spcBef>
+              <a:spcAft>
+                <a:spcPts val="600"/>
+              </a:spcAft>
+              <a:buClr>
+                <a:schemeClr val="accent1">
+                  <a:lumMod val="75000"/>
+                </a:schemeClr>
+              </a:buClr>
+              <a:buSzPct val="145000"/>
+              <a:buNone/>
+            </a:pPr>
+            <a:r>
+              <a:rPr lang="en-IN" sz="2000" dirty="0">
+                <a:latin typeface="Times New Roman" panose="02020603050405020304" pitchFamily="18" charset="0"/>
+                <a:cs typeface="Times New Roman" panose="02020603050405020304" pitchFamily="18" charset="0"/>
+              </a:rPr>
+              <a:t>    5.6 Model Interpretation</a:t>
             </a:r>
           </a:p>
           <a:p>
